--- a/doc/2018-inu-kotlin-01.pptx
+++ b/doc/2018-inu-kotlin-01.pptx
@@ -7657,8 +7657,8 @@
               <a:buChar char="•"/>
             </a:pPr>
             <a:r>
-              <a:rPr lang="en-US" altLang="ko-KR" sz="1600" dirty="0" smtClean="0"/>
-              <a:t>Case </a:t>
+              <a:rPr lang="en-US" altLang="ko-KR" sz="1600" smtClean="0"/>
+              <a:t>Switch-case </a:t>
             </a:r>
             <a:r>
               <a:rPr lang="ko-KR" altLang="en-US" sz="1600" dirty="0" smtClean="0"/>

--- a/doc/2018-inu-kotlin-01.pptx
+++ b/doc/2018-inu-kotlin-01.pptx
@@ -7657,7 +7657,7 @@
               <a:buChar char="•"/>
             </a:pPr>
             <a:r>
-              <a:rPr lang="en-US" altLang="ko-KR" sz="1600" smtClean="0"/>
+              <a:rPr lang="en-US" altLang="ko-KR" sz="1600" dirty="0" smtClean="0"/>
               <a:t>Switch-case </a:t>
             </a:r>
             <a:r>
@@ -11885,7 +11885,7 @@
         <p:spPr>
           <a:xfrm>
             <a:off x="256543" y="1570503"/>
-            <a:ext cx="7798128" cy="1754326"/>
+            <a:ext cx="7798128" cy="2308324"/>
           </a:xfrm>
           <a:prstGeom prst="rect">
             <a:avLst/>
@@ -12052,7 +12052,56 @@
             </a:r>
             <a:r>
               <a:rPr lang="ko-KR" altLang="en-US" dirty="0" smtClean="0"/>
-              <a:t>파일로 인식</a:t>
+              <a:t>파일로 </a:t>
+            </a:r>
+            <a:r>
+              <a:rPr lang="ko-KR" altLang="en-US" dirty="0" smtClean="0"/>
+              <a:t>인식</a:t>
+            </a:r>
+            <a:endParaRPr lang="en-US" altLang="ko-KR" dirty="0" smtClean="0"/>
+          </a:p>
+          <a:p>
+            <a:pPr marL="285750" indent="-285750">
+              <a:buFont typeface="Arial" panose="020B0604020202020204" pitchFamily="34" charset="0"/>
+              <a:buChar char="•"/>
+            </a:pPr>
+            <a:r>
+              <a:rPr lang="ko-KR" altLang="en-US" dirty="0" smtClean="0"/>
+              <a:t>패키지는 </a:t>
+            </a:r>
+            <a:r>
+              <a:rPr lang="en-US" altLang="ko-KR" dirty="0" smtClean="0"/>
+              <a:t>java </a:t>
+            </a:r>
+            <a:r>
+              <a:rPr lang="ko-KR" altLang="en-US" dirty="0" smtClean="0"/>
+              <a:t>와 다르게 실 경로와 맞지 않아도 가능</a:t>
+            </a:r>
+            <a:r>
+              <a:rPr lang="en-US" altLang="ko-KR" dirty="0" smtClean="0"/>
+              <a:t>. </a:t>
+            </a:r>
+          </a:p>
+          <a:p>
+            <a:pPr marL="742950" lvl="1" indent="-285750">
+              <a:buFont typeface="Arial" panose="020B0604020202020204" pitchFamily="34" charset="0"/>
+              <a:buChar char="•"/>
+            </a:pPr>
+            <a:r>
+              <a:rPr lang="ko-KR" altLang="en-US" smtClean="0"/>
+              <a:t>그러나 가능한 실 </a:t>
+            </a:r>
+            <a:r>
+              <a:rPr lang="ko-KR" altLang="en-US" dirty="0" smtClean="0"/>
+              <a:t>경로와 맞게 </a:t>
+            </a:r>
+            <a:r>
+              <a:rPr lang="ko-KR" altLang="en-US" dirty="0" err="1" smtClean="0"/>
+              <a:t>해주는것이</a:t>
+            </a:r>
+            <a:r>
+              <a:rPr lang="ko-KR" altLang="en-US" dirty="0" smtClean="0"/>
+              <a:t> 편리함</a:t>
             </a:r>
             <a:endParaRPr lang="en-US" altLang="ko-KR" dirty="0" smtClean="0"/>
           </a:p>
@@ -12085,7 +12134,7 @@
         </p:blipFill>
         <p:spPr>
           <a:xfrm>
-            <a:off x="494043" y="3019727"/>
+            <a:off x="725537" y="4794776"/>
             <a:ext cx="5848350" cy="1790700"/>
           </a:xfrm>
           <a:prstGeom prst="rect">
